--- a/figures/figure_components/figure3_supplement.pptx
+++ b/figures/figure_components/figure3_supplement.pptx
@@ -2,12 +2,12 @@
 <file path=ppt/presentation.xml><?xml version="1.0" encoding="utf-8"?>
 <p:presentation xmlns:a="http://schemas.openxmlformats.org/drawingml/2006/main" xmlns:r="http://schemas.openxmlformats.org/officeDocument/2006/relationships" xmlns:p="http://schemas.openxmlformats.org/presentationml/2006/main" saveSubsetFonts="1" autoCompressPictures="0">
   <p:sldMasterIdLst>
-    <p:sldMasterId id="2147483696" r:id="rId1"/>
+    <p:sldMasterId id="2147483756" r:id="rId1"/>
   </p:sldMasterIdLst>
   <p:sldIdLst>
     <p:sldId id="256" r:id="rId2"/>
   </p:sldIdLst>
-  <p:sldSz cx="11430000" cy="12344400"/>
+  <p:sldSz cx="10287000" cy="12344400"/>
   <p:notesSz cx="6858000" cy="9144000"/>
   <p:defaultTextStyle>
     <a:defPPr>
@@ -104,6 +104,11 @@
       </a:defRPr>
     </a:lvl9pPr>
   </p:defaultTextStyle>
+  <p:extLst>
+    <p:ext uri="{EFAFB233-063F-42B5-8137-9DF3F51BA10A}">
+      <p15:sldGuideLst xmlns:p15="http://schemas.microsoft.com/office/powerpoint/2012/main"/>
+    </p:ext>
+  </p:extLst>
 </p:presentation>
 </file>
 
@@ -136,15 +141,15 @@
         </p:nvSpPr>
         <p:spPr>
           <a:xfrm>
-            <a:off x="857250" y="2020253"/>
-            <a:ext cx="9715500" cy="4297680"/>
+            <a:off x="771525" y="2020253"/>
+            <a:ext cx="8743950" cy="4297680"/>
           </a:xfrm>
         </p:spPr>
         <p:txBody>
           <a:bodyPr anchor="b"/>
           <a:lstStyle>
             <a:lvl1pPr algn="ctr">
-              <a:defRPr sz="7500"/>
+              <a:defRPr sz="6750"/>
             </a:lvl1pPr>
           </a:lstStyle>
           <a:p>
@@ -168,8 +173,8 @@
         </p:nvSpPr>
         <p:spPr>
           <a:xfrm>
-            <a:off x="1428750" y="6483668"/>
-            <a:ext cx="8572500" cy="2980372"/>
+            <a:off x="1285875" y="6483668"/>
+            <a:ext cx="7715250" cy="2980372"/>
           </a:xfrm>
         </p:spPr>
         <p:txBody>
@@ -177,39 +182,39 @@
           <a:lstStyle>
             <a:lvl1pPr marL="0" indent="0" algn="ctr">
               <a:buNone/>
-              <a:defRPr sz="3000"/>
+              <a:defRPr sz="2700"/>
             </a:lvl1pPr>
-            <a:lvl2pPr marL="571500" indent="0" algn="ctr">
-              <a:buNone/>
-              <a:defRPr sz="2500"/>
+            <a:lvl2pPr marL="514350" indent="0" algn="ctr">
+              <a:buNone/>
+              <a:defRPr sz="2250"/>
             </a:lvl2pPr>
-            <a:lvl3pPr marL="1143000" indent="0" algn="ctr">
-              <a:buNone/>
-              <a:defRPr sz="2250"/>
+            <a:lvl3pPr marL="1028700" indent="0" algn="ctr">
+              <a:buNone/>
+              <a:defRPr sz="2025"/>
             </a:lvl3pPr>
-            <a:lvl4pPr marL="1714500" indent="0" algn="ctr">
-              <a:buNone/>
-              <a:defRPr sz="2000"/>
+            <a:lvl4pPr marL="1543050" indent="0" algn="ctr">
+              <a:buNone/>
+              <a:defRPr sz="1800"/>
             </a:lvl4pPr>
-            <a:lvl5pPr marL="2286000" indent="0" algn="ctr">
-              <a:buNone/>
-              <a:defRPr sz="2000"/>
+            <a:lvl5pPr marL="2057400" indent="0" algn="ctr">
+              <a:buNone/>
+              <a:defRPr sz="1800"/>
             </a:lvl5pPr>
-            <a:lvl6pPr marL="2857500" indent="0" algn="ctr">
-              <a:buNone/>
-              <a:defRPr sz="2000"/>
+            <a:lvl6pPr marL="2571750" indent="0" algn="ctr">
+              <a:buNone/>
+              <a:defRPr sz="1800"/>
             </a:lvl6pPr>
-            <a:lvl7pPr marL="3429000" indent="0" algn="ctr">
-              <a:buNone/>
-              <a:defRPr sz="2000"/>
+            <a:lvl7pPr marL="3086100" indent="0" algn="ctr">
+              <a:buNone/>
+              <a:defRPr sz="1800"/>
             </a:lvl7pPr>
-            <a:lvl8pPr marL="4000500" indent="0" algn="ctr">
-              <a:buNone/>
-              <a:defRPr sz="2000"/>
+            <a:lvl8pPr marL="3600450" indent="0" algn="ctr">
+              <a:buNone/>
+              <a:defRPr sz="1800"/>
             </a:lvl8pPr>
-            <a:lvl9pPr marL="4572000" indent="0" algn="ctr">
-              <a:buNone/>
-              <a:defRPr sz="2000"/>
+            <a:lvl9pPr marL="4114800" indent="0" algn="ctr">
+              <a:buNone/>
+              <a:defRPr sz="1800"/>
             </a:lvl9pPr>
           </a:lstStyle>
           <a:p>
@@ -238,7 +243,7 @@
           <a:p>
             <a:fld id="{2DD2D9B5-AAAC-AE4E-9AF2-72CBBDE83DE2}" type="datetimeFigureOut">
               <a:rPr lang="en-US" smtClean="0"/>
-              <a:t>10/9/20</a:t>
+              <a:t>10/29/20</a:t>
             </a:fld>
             <a:endParaRPr lang="en-US"/>
           </a:p>
@@ -289,7 +294,7 @@
     </p:spTree>
     <p:extLst>
       <p:ext uri="{BB962C8B-B14F-4D97-AF65-F5344CB8AC3E}">
-        <p14:creationId xmlns:p14="http://schemas.microsoft.com/office/powerpoint/2010/main" val="267714117"/>
+        <p14:creationId xmlns:p14="http://schemas.microsoft.com/office/powerpoint/2010/main" val="4026071012"/>
       </p:ext>
     </p:extLst>
   </p:cSld>
@@ -408,7 +413,7 @@
           <a:p>
             <a:fld id="{2DD2D9B5-AAAC-AE4E-9AF2-72CBBDE83DE2}" type="datetimeFigureOut">
               <a:rPr lang="en-US" smtClean="0"/>
-              <a:t>10/9/20</a:t>
+              <a:t>10/29/20</a:t>
             </a:fld>
             <a:endParaRPr lang="en-US"/>
           </a:p>
@@ -459,7 +464,7 @@
     </p:spTree>
     <p:extLst>
       <p:ext uri="{BB962C8B-B14F-4D97-AF65-F5344CB8AC3E}">
-        <p14:creationId xmlns:p14="http://schemas.microsoft.com/office/powerpoint/2010/main" val="4053870133"/>
+        <p14:creationId xmlns:p14="http://schemas.microsoft.com/office/powerpoint/2010/main" val="1822378263"/>
       </p:ext>
     </p:extLst>
   </p:cSld>
@@ -498,8 +503,8 @@
         </p:nvSpPr>
         <p:spPr>
           <a:xfrm>
-            <a:off x="8179594" y="657225"/>
-            <a:ext cx="2464594" cy="10461308"/>
+            <a:off x="7361635" y="657225"/>
+            <a:ext cx="2218134" cy="10461308"/>
           </a:xfrm>
         </p:spPr>
         <p:txBody>
@@ -526,8 +531,8 @@
         </p:nvSpPr>
         <p:spPr>
           <a:xfrm>
-            <a:off x="785813" y="657225"/>
-            <a:ext cx="7250906" cy="10461308"/>
+            <a:off x="707232" y="657225"/>
+            <a:ext cx="6525816" cy="10461308"/>
           </a:xfrm>
         </p:spPr>
         <p:txBody>
@@ -588,7 +593,7 @@
           <a:p>
             <a:fld id="{2DD2D9B5-AAAC-AE4E-9AF2-72CBBDE83DE2}" type="datetimeFigureOut">
               <a:rPr lang="en-US" smtClean="0"/>
-              <a:t>10/9/20</a:t>
+              <a:t>10/29/20</a:t>
             </a:fld>
             <a:endParaRPr lang="en-US"/>
           </a:p>
@@ -639,7 +644,7 @@
     </p:spTree>
     <p:extLst>
       <p:ext uri="{BB962C8B-B14F-4D97-AF65-F5344CB8AC3E}">
-        <p14:creationId xmlns:p14="http://schemas.microsoft.com/office/powerpoint/2010/main" val="1436019807"/>
+        <p14:creationId xmlns:p14="http://schemas.microsoft.com/office/powerpoint/2010/main" val="2630856683"/>
       </p:ext>
     </p:extLst>
   </p:cSld>
@@ -758,7 +763,7 @@
           <a:p>
             <a:fld id="{2DD2D9B5-AAAC-AE4E-9AF2-72CBBDE83DE2}" type="datetimeFigureOut">
               <a:rPr lang="en-US" smtClean="0"/>
-              <a:t>10/9/20</a:t>
+              <a:t>10/29/20</a:t>
             </a:fld>
             <a:endParaRPr lang="en-US"/>
           </a:p>
@@ -809,7 +814,7 @@
     </p:spTree>
     <p:extLst>
       <p:ext uri="{BB962C8B-B14F-4D97-AF65-F5344CB8AC3E}">
-        <p14:creationId xmlns:p14="http://schemas.microsoft.com/office/powerpoint/2010/main" val="1401052856"/>
+        <p14:creationId xmlns:p14="http://schemas.microsoft.com/office/powerpoint/2010/main" val="3061182464"/>
       </p:ext>
     </p:extLst>
   </p:cSld>
@@ -848,15 +853,15 @@
         </p:nvSpPr>
         <p:spPr>
           <a:xfrm>
-            <a:off x="779860" y="3077531"/>
-            <a:ext cx="9858375" cy="5134927"/>
+            <a:off x="701874" y="3077531"/>
+            <a:ext cx="8872538" cy="5134927"/>
           </a:xfrm>
         </p:spPr>
         <p:txBody>
           <a:bodyPr anchor="b"/>
           <a:lstStyle>
             <a:lvl1pPr>
-              <a:defRPr sz="7500"/>
+              <a:defRPr sz="6750"/>
             </a:lvl1pPr>
           </a:lstStyle>
           <a:p>
@@ -880,8 +885,8 @@
         </p:nvSpPr>
         <p:spPr>
           <a:xfrm>
-            <a:off x="779860" y="8261036"/>
-            <a:ext cx="9858375" cy="2700337"/>
+            <a:off x="701874" y="8261036"/>
+            <a:ext cx="8872538" cy="2700337"/>
           </a:xfrm>
         </p:spPr>
         <p:txBody>
@@ -889,15 +894,15 @@
           <a:lstStyle>
             <a:lvl1pPr marL="0" indent="0">
               <a:buNone/>
-              <a:defRPr sz="3000">
+              <a:defRPr sz="2700">
                 <a:solidFill>
                   <a:schemeClr val="tx1"/>
                 </a:solidFill>
               </a:defRPr>
             </a:lvl1pPr>
-            <a:lvl2pPr marL="571500" indent="0">
-              <a:buNone/>
-              <a:defRPr sz="2500">
+            <a:lvl2pPr marL="514350" indent="0">
+              <a:buNone/>
+              <a:defRPr sz="2250">
                 <a:solidFill>
                   <a:schemeClr val="tx1">
                     <a:tint val="75000"/>
@@ -905,9 +910,9 @@
                 </a:solidFill>
               </a:defRPr>
             </a:lvl2pPr>
-            <a:lvl3pPr marL="1143000" indent="0">
-              <a:buNone/>
-              <a:defRPr sz="2250">
+            <a:lvl3pPr marL="1028700" indent="0">
+              <a:buNone/>
+              <a:defRPr sz="2025">
                 <a:solidFill>
                   <a:schemeClr val="tx1">
                     <a:tint val="75000"/>
@@ -915,9 +920,9 @@
                 </a:solidFill>
               </a:defRPr>
             </a:lvl3pPr>
-            <a:lvl4pPr marL="1714500" indent="0">
-              <a:buNone/>
-              <a:defRPr sz="2000">
+            <a:lvl4pPr marL="1543050" indent="0">
+              <a:buNone/>
+              <a:defRPr sz="1800">
                 <a:solidFill>
                   <a:schemeClr val="tx1">
                     <a:tint val="75000"/>
@@ -925,9 +930,9 @@
                 </a:solidFill>
               </a:defRPr>
             </a:lvl4pPr>
-            <a:lvl5pPr marL="2286000" indent="0">
-              <a:buNone/>
-              <a:defRPr sz="2000">
+            <a:lvl5pPr marL="2057400" indent="0">
+              <a:buNone/>
+              <a:defRPr sz="1800">
                 <a:solidFill>
                   <a:schemeClr val="tx1">
                     <a:tint val="75000"/>
@@ -935,9 +940,9 @@
                 </a:solidFill>
               </a:defRPr>
             </a:lvl5pPr>
-            <a:lvl6pPr marL="2857500" indent="0">
-              <a:buNone/>
-              <a:defRPr sz="2000">
+            <a:lvl6pPr marL="2571750" indent="0">
+              <a:buNone/>
+              <a:defRPr sz="1800">
                 <a:solidFill>
                   <a:schemeClr val="tx1">
                     <a:tint val="75000"/>
@@ -945,9 +950,9 @@
                 </a:solidFill>
               </a:defRPr>
             </a:lvl6pPr>
-            <a:lvl7pPr marL="3429000" indent="0">
-              <a:buNone/>
-              <a:defRPr sz="2000">
+            <a:lvl7pPr marL="3086100" indent="0">
+              <a:buNone/>
+              <a:defRPr sz="1800">
                 <a:solidFill>
                   <a:schemeClr val="tx1">
                     <a:tint val="75000"/>
@@ -955,9 +960,9 @@
                 </a:solidFill>
               </a:defRPr>
             </a:lvl7pPr>
-            <a:lvl8pPr marL="4000500" indent="0">
-              <a:buNone/>
-              <a:defRPr sz="2000">
+            <a:lvl8pPr marL="3600450" indent="0">
+              <a:buNone/>
+              <a:defRPr sz="1800">
                 <a:solidFill>
                   <a:schemeClr val="tx1">
                     <a:tint val="75000"/>
@@ -965,9 +970,9 @@
                 </a:solidFill>
               </a:defRPr>
             </a:lvl8pPr>
-            <a:lvl9pPr marL="4572000" indent="0">
-              <a:buNone/>
-              <a:defRPr sz="2000">
+            <a:lvl9pPr marL="4114800" indent="0">
+              <a:buNone/>
+              <a:defRPr sz="1800">
                 <a:solidFill>
                   <a:schemeClr val="tx1">
                     <a:tint val="75000"/>
@@ -1002,7 +1007,7 @@
           <a:p>
             <a:fld id="{2DD2D9B5-AAAC-AE4E-9AF2-72CBBDE83DE2}" type="datetimeFigureOut">
               <a:rPr lang="en-US" smtClean="0"/>
-              <a:t>10/9/20</a:t>
+              <a:t>10/29/20</a:t>
             </a:fld>
             <a:endParaRPr lang="en-US"/>
           </a:p>
@@ -1053,7 +1058,7 @@
     </p:spTree>
     <p:extLst>
       <p:ext uri="{BB962C8B-B14F-4D97-AF65-F5344CB8AC3E}">
-        <p14:creationId xmlns:p14="http://schemas.microsoft.com/office/powerpoint/2010/main" val="786926503"/>
+        <p14:creationId xmlns:p14="http://schemas.microsoft.com/office/powerpoint/2010/main" val="3616588885"/>
       </p:ext>
     </p:extLst>
   </p:cSld>
@@ -1115,8 +1120,8 @@
         </p:nvSpPr>
         <p:spPr>
           <a:xfrm>
-            <a:off x="785813" y="3286125"/>
-            <a:ext cx="4857750" cy="7832408"/>
+            <a:off x="707231" y="3286125"/>
+            <a:ext cx="4371975" cy="7832408"/>
           </a:xfrm>
         </p:spPr>
         <p:txBody>
@@ -1172,8 +1177,8 @@
         </p:nvSpPr>
         <p:spPr>
           <a:xfrm>
-            <a:off x="5786438" y="3286125"/>
-            <a:ext cx="4857750" cy="7832408"/>
+            <a:off x="5207794" y="3286125"/>
+            <a:ext cx="4371975" cy="7832408"/>
           </a:xfrm>
         </p:spPr>
         <p:txBody>
@@ -1234,7 +1239,7 @@
           <a:p>
             <a:fld id="{2DD2D9B5-AAAC-AE4E-9AF2-72CBBDE83DE2}" type="datetimeFigureOut">
               <a:rPr lang="en-US" smtClean="0"/>
-              <a:t>10/9/20</a:t>
+              <a:t>10/29/20</a:t>
             </a:fld>
             <a:endParaRPr lang="en-US"/>
           </a:p>
@@ -1285,7 +1290,7 @@
     </p:spTree>
     <p:extLst>
       <p:ext uri="{BB962C8B-B14F-4D97-AF65-F5344CB8AC3E}">
-        <p14:creationId xmlns:p14="http://schemas.microsoft.com/office/powerpoint/2010/main" val="397861104"/>
+        <p14:creationId xmlns:p14="http://schemas.microsoft.com/office/powerpoint/2010/main" val="2861261227"/>
       </p:ext>
     </p:extLst>
   </p:cSld>
@@ -1324,8 +1329,8 @@
         </p:nvSpPr>
         <p:spPr>
           <a:xfrm>
-            <a:off x="787301" y="657228"/>
-            <a:ext cx="9858375" cy="2386013"/>
+            <a:off x="708571" y="657228"/>
+            <a:ext cx="8872538" cy="2386013"/>
           </a:xfrm>
         </p:spPr>
         <p:txBody>
@@ -1352,8 +1357,8 @@
         </p:nvSpPr>
         <p:spPr>
           <a:xfrm>
-            <a:off x="787303" y="3026093"/>
-            <a:ext cx="4835425" cy="1483042"/>
+            <a:off x="708572" y="3026093"/>
+            <a:ext cx="4351883" cy="1483042"/>
           </a:xfrm>
         </p:spPr>
         <p:txBody>
@@ -1361,39 +1366,39 @@
           <a:lstStyle>
             <a:lvl1pPr marL="0" indent="0">
               <a:buNone/>
-              <a:defRPr sz="3000" b="1"/>
+              <a:defRPr sz="2700" b="1"/>
             </a:lvl1pPr>
-            <a:lvl2pPr marL="571500" indent="0">
-              <a:buNone/>
-              <a:defRPr sz="2500" b="1"/>
+            <a:lvl2pPr marL="514350" indent="0">
+              <a:buNone/>
+              <a:defRPr sz="2250" b="1"/>
             </a:lvl2pPr>
-            <a:lvl3pPr marL="1143000" indent="0">
-              <a:buNone/>
-              <a:defRPr sz="2250" b="1"/>
+            <a:lvl3pPr marL="1028700" indent="0">
+              <a:buNone/>
+              <a:defRPr sz="2025" b="1"/>
             </a:lvl3pPr>
-            <a:lvl4pPr marL="1714500" indent="0">
-              <a:buNone/>
-              <a:defRPr sz="2000" b="1"/>
+            <a:lvl4pPr marL="1543050" indent="0">
+              <a:buNone/>
+              <a:defRPr sz="1800" b="1"/>
             </a:lvl4pPr>
-            <a:lvl5pPr marL="2286000" indent="0">
-              <a:buNone/>
-              <a:defRPr sz="2000" b="1"/>
+            <a:lvl5pPr marL="2057400" indent="0">
+              <a:buNone/>
+              <a:defRPr sz="1800" b="1"/>
             </a:lvl5pPr>
-            <a:lvl6pPr marL="2857500" indent="0">
-              <a:buNone/>
-              <a:defRPr sz="2000" b="1"/>
+            <a:lvl6pPr marL="2571750" indent="0">
+              <a:buNone/>
+              <a:defRPr sz="1800" b="1"/>
             </a:lvl6pPr>
-            <a:lvl7pPr marL="3429000" indent="0">
-              <a:buNone/>
-              <a:defRPr sz="2000" b="1"/>
+            <a:lvl7pPr marL="3086100" indent="0">
+              <a:buNone/>
+              <a:defRPr sz="1800" b="1"/>
             </a:lvl7pPr>
-            <a:lvl8pPr marL="4000500" indent="0">
-              <a:buNone/>
-              <a:defRPr sz="2000" b="1"/>
+            <a:lvl8pPr marL="3600450" indent="0">
+              <a:buNone/>
+              <a:defRPr sz="1800" b="1"/>
             </a:lvl8pPr>
-            <a:lvl9pPr marL="4572000" indent="0">
-              <a:buNone/>
-              <a:defRPr sz="2000" b="1"/>
+            <a:lvl9pPr marL="4114800" indent="0">
+              <a:buNone/>
+              <a:defRPr sz="1800" b="1"/>
             </a:lvl9pPr>
           </a:lstStyle>
           <a:p>
@@ -1417,8 +1422,8 @@
         </p:nvSpPr>
         <p:spPr>
           <a:xfrm>
-            <a:off x="787303" y="4509135"/>
-            <a:ext cx="4835425" cy="6632258"/>
+            <a:off x="708572" y="4509135"/>
+            <a:ext cx="4351883" cy="6632258"/>
           </a:xfrm>
         </p:spPr>
         <p:txBody>
@@ -1474,8 +1479,8 @@
         </p:nvSpPr>
         <p:spPr>
           <a:xfrm>
-            <a:off x="5786438" y="3026093"/>
-            <a:ext cx="4859239" cy="1483042"/>
+            <a:off x="5207794" y="3026093"/>
+            <a:ext cx="4373315" cy="1483042"/>
           </a:xfrm>
         </p:spPr>
         <p:txBody>
@@ -1483,39 +1488,39 @@
           <a:lstStyle>
             <a:lvl1pPr marL="0" indent="0">
               <a:buNone/>
-              <a:defRPr sz="3000" b="1"/>
+              <a:defRPr sz="2700" b="1"/>
             </a:lvl1pPr>
-            <a:lvl2pPr marL="571500" indent="0">
-              <a:buNone/>
-              <a:defRPr sz="2500" b="1"/>
+            <a:lvl2pPr marL="514350" indent="0">
+              <a:buNone/>
+              <a:defRPr sz="2250" b="1"/>
             </a:lvl2pPr>
-            <a:lvl3pPr marL="1143000" indent="0">
-              <a:buNone/>
-              <a:defRPr sz="2250" b="1"/>
+            <a:lvl3pPr marL="1028700" indent="0">
+              <a:buNone/>
+              <a:defRPr sz="2025" b="1"/>
             </a:lvl3pPr>
-            <a:lvl4pPr marL="1714500" indent="0">
-              <a:buNone/>
-              <a:defRPr sz="2000" b="1"/>
+            <a:lvl4pPr marL="1543050" indent="0">
+              <a:buNone/>
+              <a:defRPr sz="1800" b="1"/>
             </a:lvl4pPr>
-            <a:lvl5pPr marL="2286000" indent="0">
-              <a:buNone/>
-              <a:defRPr sz="2000" b="1"/>
+            <a:lvl5pPr marL="2057400" indent="0">
+              <a:buNone/>
+              <a:defRPr sz="1800" b="1"/>
             </a:lvl5pPr>
-            <a:lvl6pPr marL="2857500" indent="0">
-              <a:buNone/>
-              <a:defRPr sz="2000" b="1"/>
+            <a:lvl6pPr marL="2571750" indent="0">
+              <a:buNone/>
+              <a:defRPr sz="1800" b="1"/>
             </a:lvl6pPr>
-            <a:lvl7pPr marL="3429000" indent="0">
-              <a:buNone/>
-              <a:defRPr sz="2000" b="1"/>
+            <a:lvl7pPr marL="3086100" indent="0">
+              <a:buNone/>
+              <a:defRPr sz="1800" b="1"/>
             </a:lvl7pPr>
-            <a:lvl8pPr marL="4000500" indent="0">
-              <a:buNone/>
-              <a:defRPr sz="2000" b="1"/>
+            <a:lvl8pPr marL="3600450" indent="0">
+              <a:buNone/>
+              <a:defRPr sz="1800" b="1"/>
             </a:lvl8pPr>
-            <a:lvl9pPr marL="4572000" indent="0">
-              <a:buNone/>
-              <a:defRPr sz="2000" b="1"/>
+            <a:lvl9pPr marL="4114800" indent="0">
+              <a:buNone/>
+              <a:defRPr sz="1800" b="1"/>
             </a:lvl9pPr>
           </a:lstStyle>
           <a:p>
@@ -1539,8 +1544,8 @@
         </p:nvSpPr>
         <p:spPr>
           <a:xfrm>
-            <a:off x="5786438" y="4509135"/>
-            <a:ext cx="4859239" cy="6632258"/>
+            <a:off x="5207794" y="4509135"/>
+            <a:ext cx="4373315" cy="6632258"/>
           </a:xfrm>
         </p:spPr>
         <p:txBody>
@@ -1601,7 +1606,7 @@
           <a:p>
             <a:fld id="{2DD2D9B5-AAAC-AE4E-9AF2-72CBBDE83DE2}" type="datetimeFigureOut">
               <a:rPr lang="en-US" smtClean="0"/>
-              <a:t>10/9/20</a:t>
+              <a:t>10/29/20</a:t>
             </a:fld>
             <a:endParaRPr lang="en-US"/>
           </a:p>
@@ -1652,7 +1657,7 @@
     </p:spTree>
     <p:extLst>
       <p:ext uri="{BB962C8B-B14F-4D97-AF65-F5344CB8AC3E}">
-        <p14:creationId xmlns:p14="http://schemas.microsoft.com/office/powerpoint/2010/main" val="3296966481"/>
+        <p14:creationId xmlns:p14="http://schemas.microsoft.com/office/powerpoint/2010/main" val="580389227"/>
       </p:ext>
     </p:extLst>
   </p:cSld>
@@ -1719,7 +1724,7 @@
           <a:p>
             <a:fld id="{2DD2D9B5-AAAC-AE4E-9AF2-72CBBDE83DE2}" type="datetimeFigureOut">
               <a:rPr lang="en-US" smtClean="0"/>
-              <a:t>10/9/20</a:t>
+              <a:t>10/29/20</a:t>
             </a:fld>
             <a:endParaRPr lang="en-US"/>
           </a:p>
@@ -1770,7 +1775,7 @@
     </p:spTree>
     <p:extLst>
       <p:ext uri="{BB962C8B-B14F-4D97-AF65-F5344CB8AC3E}">
-        <p14:creationId xmlns:p14="http://schemas.microsoft.com/office/powerpoint/2010/main" val="1730333677"/>
+        <p14:creationId xmlns:p14="http://schemas.microsoft.com/office/powerpoint/2010/main" val="4007588548"/>
       </p:ext>
     </p:extLst>
   </p:cSld>
@@ -1814,7 +1819,7 @@
           <a:p>
             <a:fld id="{2DD2D9B5-AAAC-AE4E-9AF2-72CBBDE83DE2}" type="datetimeFigureOut">
               <a:rPr lang="en-US" smtClean="0"/>
-              <a:t>10/9/20</a:t>
+              <a:t>10/29/20</a:t>
             </a:fld>
             <a:endParaRPr lang="en-US"/>
           </a:p>
@@ -1865,7 +1870,7 @@
     </p:spTree>
     <p:extLst>
       <p:ext uri="{BB962C8B-B14F-4D97-AF65-F5344CB8AC3E}">
-        <p14:creationId xmlns:p14="http://schemas.microsoft.com/office/powerpoint/2010/main" val="3738784634"/>
+        <p14:creationId xmlns:p14="http://schemas.microsoft.com/office/powerpoint/2010/main" val="675961127"/>
       </p:ext>
     </p:extLst>
   </p:cSld>
@@ -1904,15 +1909,15 @@
         </p:nvSpPr>
         <p:spPr>
           <a:xfrm>
-            <a:off x="787301" y="822960"/>
-            <a:ext cx="3686473" cy="2880360"/>
+            <a:off x="708571" y="822960"/>
+            <a:ext cx="3317825" cy="2880360"/>
           </a:xfrm>
         </p:spPr>
         <p:txBody>
           <a:bodyPr anchor="b"/>
           <a:lstStyle>
             <a:lvl1pPr>
-              <a:defRPr sz="4000"/>
+              <a:defRPr sz="3600"/>
             </a:lvl1pPr>
           </a:lstStyle>
           <a:p>
@@ -1936,39 +1941,39 @@
         </p:nvSpPr>
         <p:spPr>
           <a:xfrm>
-            <a:off x="4859238" y="1777368"/>
-            <a:ext cx="5786438" cy="8772525"/>
+            <a:off x="4373315" y="1777368"/>
+            <a:ext cx="5207794" cy="8772525"/>
           </a:xfrm>
         </p:spPr>
         <p:txBody>
           <a:bodyPr/>
           <a:lstStyle>
             <a:lvl1pPr>
-              <a:defRPr sz="4000"/>
+              <a:defRPr sz="3600"/>
             </a:lvl1pPr>
             <a:lvl2pPr>
-              <a:defRPr sz="3500"/>
+              <a:defRPr sz="3150"/>
             </a:lvl2pPr>
             <a:lvl3pPr>
-              <a:defRPr sz="3000"/>
+              <a:defRPr sz="2700"/>
             </a:lvl3pPr>
             <a:lvl4pPr>
-              <a:defRPr sz="2500"/>
+              <a:defRPr sz="2250"/>
             </a:lvl4pPr>
             <a:lvl5pPr>
-              <a:defRPr sz="2500"/>
+              <a:defRPr sz="2250"/>
             </a:lvl5pPr>
             <a:lvl6pPr>
-              <a:defRPr sz="2500"/>
+              <a:defRPr sz="2250"/>
             </a:lvl6pPr>
             <a:lvl7pPr>
-              <a:defRPr sz="2500"/>
+              <a:defRPr sz="2250"/>
             </a:lvl7pPr>
             <a:lvl8pPr>
-              <a:defRPr sz="2500"/>
+              <a:defRPr sz="2250"/>
             </a:lvl8pPr>
             <a:lvl9pPr>
-              <a:defRPr sz="2500"/>
+              <a:defRPr sz="2250"/>
             </a:lvl9pPr>
           </a:lstStyle>
           <a:p>
@@ -2021,8 +2026,8 @@
         </p:nvSpPr>
         <p:spPr>
           <a:xfrm>
-            <a:off x="787301" y="3703320"/>
-            <a:ext cx="3686473" cy="6860858"/>
+            <a:off x="708571" y="3703320"/>
+            <a:ext cx="3317825" cy="6860858"/>
           </a:xfrm>
         </p:spPr>
         <p:txBody>
@@ -2030,39 +2035,39 @@
           <a:lstStyle>
             <a:lvl1pPr marL="0" indent="0">
               <a:buNone/>
-              <a:defRPr sz="2000"/>
+              <a:defRPr sz="1800"/>
             </a:lvl1pPr>
-            <a:lvl2pPr marL="571500" indent="0">
-              <a:buNone/>
-              <a:defRPr sz="1750"/>
+            <a:lvl2pPr marL="514350" indent="0">
+              <a:buNone/>
+              <a:defRPr sz="1575"/>
             </a:lvl2pPr>
-            <a:lvl3pPr marL="1143000" indent="0">
-              <a:buNone/>
-              <a:defRPr sz="1500"/>
+            <a:lvl3pPr marL="1028700" indent="0">
+              <a:buNone/>
+              <a:defRPr sz="1350"/>
             </a:lvl3pPr>
-            <a:lvl4pPr marL="1714500" indent="0">
-              <a:buNone/>
-              <a:defRPr sz="1250"/>
+            <a:lvl4pPr marL="1543050" indent="0">
+              <a:buNone/>
+              <a:defRPr sz="1125"/>
             </a:lvl4pPr>
-            <a:lvl5pPr marL="2286000" indent="0">
-              <a:buNone/>
-              <a:defRPr sz="1250"/>
+            <a:lvl5pPr marL="2057400" indent="0">
+              <a:buNone/>
+              <a:defRPr sz="1125"/>
             </a:lvl5pPr>
-            <a:lvl6pPr marL="2857500" indent="0">
-              <a:buNone/>
-              <a:defRPr sz="1250"/>
+            <a:lvl6pPr marL="2571750" indent="0">
+              <a:buNone/>
+              <a:defRPr sz="1125"/>
             </a:lvl6pPr>
-            <a:lvl7pPr marL="3429000" indent="0">
-              <a:buNone/>
-              <a:defRPr sz="1250"/>
+            <a:lvl7pPr marL="3086100" indent="0">
+              <a:buNone/>
+              <a:defRPr sz="1125"/>
             </a:lvl7pPr>
-            <a:lvl8pPr marL="4000500" indent="0">
-              <a:buNone/>
-              <a:defRPr sz="1250"/>
+            <a:lvl8pPr marL="3600450" indent="0">
+              <a:buNone/>
+              <a:defRPr sz="1125"/>
             </a:lvl8pPr>
-            <a:lvl9pPr marL="4572000" indent="0">
-              <a:buNone/>
-              <a:defRPr sz="1250"/>
+            <a:lvl9pPr marL="4114800" indent="0">
+              <a:buNone/>
+              <a:defRPr sz="1125"/>
             </a:lvl9pPr>
           </a:lstStyle>
           <a:p>
@@ -2091,7 +2096,7 @@
           <a:p>
             <a:fld id="{2DD2D9B5-AAAC-AE4E-9AF2-72CBBDE83DE2}" type="datetimeFigureOut">
               <a:rPr lang="en-US" smtClean="0"/>
-              <a:t>10/9/20</a:t>
+              <a:t>10/29/20</a:t>
             </a:fld>
             <a:endParaRPr lang="en-US"/>
           </a:p>
@@ -2142,7 +2147,7 @@
     </p:spTree>
     <p:extLst>
       <p:ext uri="{BB962C8B-B14F-4D97-AF65-F5344CB8AC3E}">
-        <p14:creationId xmlns:p14="http://schemas.microsoft.com/office/powerpoint/2010/main" val="2642134517"/>
+        <p14:creationId xmlns:p14="http://schemas.microsoft.com/office/powerpoint/2010/main" val="2666106863"/>
       </p:ext>
     </p:extLst>
   </p:cSld>
@@ -2181,15 +2186,15 @@
         </p:nvSpPr>
         <p:spPr>
           <a:xfrm>
-            <a:off x="787301" y="822960"/>
-            <a:ext cx="3686473" cy="2880360"/>
+            <a:off x="708571" y="822960"/>
+            <a:ext cx="3317825" cy="2880360"/>
           </a:xfrm>
         </p:spPr>
         <p:txBody>
           <a:bodyPr anchor="b"/>
           <a:lstStyle>
             <a:lvl1pPr>
-              <a:defRPr sz="4000"/>
+              <a:defRPr sz="3600"/>
             </a:lvl1pPr>
           </a:lstStyle>
           <a:p>
@@ -2213,8 +2218,8 @@
         </p:nvSpPr>
         <p:spPr>
           <a:xfrm>
-            <a:off x="4859238" y="1777368"/>
-            <a:ext cx="5786438" cy="8772525"/>
+            <a:off x="4373315" y="1777368"/>
+            <a:ext cx="5207794" cy="8772525"/>
           </a:xfrm>
         </p:spPr>
         <p:txBody>
@@ -2222,39 +2227,39 @@
           <a:lstStyle>
             <a:lvl1pPr marL="0" indent="0">
               <a:buNone/>
-              <a:defRPr sz="4000"/>
+              <a:defRPr sz="3600"/>
             </a:lvl1pPr>
-            <a:lvl2pPr marL="571500" indent="0">
-              <a:buNone/>
-              <a:defRPr sz="3500"/>
+            <a:lvl2pPr marL="514350" indent="0">
+              <a:buNone/>
+              <a:defRPr sz="3150"/>
             </a:lvl2pPr>
-            <a:lvl3pPr marL="1143000" indent="0">
-              <a:buNone/>
-              <a:defRPr sz="3000"/>
+            <a:lvl3pPr marL="1028700" indent="0">
+              <a:buNone/>
+              <a:defRPr sz="2700"/>
             </a:lvl3pPr>
-            <a:lvl4pPr marL="1714500" indent="0">
-              <a:buNone/>
-              <a:defRPr sz="2500"/>
+            <a:lvl4pPr marL="1543050" indent="0">
+              <a:buNone/>
+              <a:defRPr sz="2250"/>
             </a:lvl4pPr>
-            <a:lvl5pPr marL="2286000" indent="0">
-              <a:buNone/>
-              <a:defRPr sz="2500"/>
+            <a:lvl5pPr marL="2057400" indent="0">
+              <a:buNone/>
+              <a:defRPr sz="2250"/>
             </a:lvl5pPr>
-            <a:lvl6pPr marL="2857500" indent="0">
-              <a:buNone/>
-              <a:defRPr sz="2500"/>
+            <a:lvl6pPr marL="2571750" indent="0">
+              <a:buNone/>
+              <a:defRPr sz="2250"/>
             </a:lvl6pPr>
-            <a:lvl7pPr marL="3429000" indent="0">
-              <a:buNone/>
-              <a:defRPr sz="2500"/>
+            <a:lvl7pPr marL="3086100" indent="0">
+              <a:buNone/>
+              <a:defRPr sz="2250"/>
             </a:lvl7pPr>
-            <a:lvl8pPr marL="4000500" indent="0">
-              <a:buNone/>
-              <a:defRPr sz="2500"/>
+            <a:lvl8pPr marL="3600450" indent="0">
+              <a:buNone/>
+              <a:defRPr sz="2250"/>
             </a:lvl8pPr>
-            <a:lvl9pPr marL="4572000" indent="0">
-              <a:buNone/>
-              <a:defRPr sz="2500"/>
+            <a:lvl9pPr marL="4114800" indent="0">
+              <a:buNone/>
+              <a:defRPr sz="2250"/>
             </a:lvl9pPr>
           </a:lstStyle>
           <a:p>
@@ -2278,8 +2283,8 @@
         </p:nvSpPr>
         <p:spPr>
           <a:xfrm>
-            <a:off x="787301" y="3703320"/>
-            <a:ext cx="3686473" cy="6860858"/>
+            <a:off x="708571" y="3703320"/>
+            <a:ext cx="3317825" cy="6860858"/>
           </a:xfrm>
         </p:spPr>
         <p:txBody>
@@ -2287,39 +2292,39 @@
           <a:lstStyle>
             <a:lvl1pPr marL="0" indent="0">
               <a:buNone/>
-              <a:defRPr sz="2000"/>
+              <a:defRPr sz="1800"/>
             </a:lvl1pPr>
-            <a:lvl2pPr marL="571500" indent="0">
-              <a:buNone/>
-              <a:defRPr sz="1750"/>
+            <a:lvl2pPr marL="514350" indent="0">
+              <a:buNone/>
+              <a:defRPr sz="1575"/>
             </a:lvl2pPr>
-            <a:lvl3pPr marL="1143000" indent="0">
-              <a:buNone/>
-              <a:defRPr sz="1500"/>
+            <a:lvl3pPr marL="1028700" indent="0">
+              <a:buNone/>
+              <a:defRPr sz="1350"/>
             </a:lvl3pPr>
-            <a:lvl4pPr marL="1714500" indent="0">
-              <a:buNone/>
-              <a:defRPr sz="1250"/>
+            <a:lvl4pPr marL="1543050" indent="0">
+              <a:buNone/>
+              <a:defRPr sz="1125"/>
             </a:lvl4pPr>
-            <a:lvl5pPr marL="2286000" indent="0">
-              <a:buNone/>
-              <a:defRPr sz="1250"/>
+            <a:lvl5pPr marL="2057400" indent="0">
+              <a:buNone/>
+              <a:defRPr sz="1125"/>
             </a:lvl5pPr>
-            <a:lvl6pPr marL="2857500" indent="0">
-              <a:buNone/>
-              <a:defRPr sz="1250"/>
+            <a:lvl6pPr marL="2571750" indent="0">
+              <a:buNone/>
+              <a:defRPr sz="1125"/>
             </a:lvl6pPr>
-            <a:lvl7pPr marL="3429000" indent="0">
-              <a:buNone/>
-              <a:defRPr sz="1250"/>
+            <a:lvl7pPr marL="3086100" indent="0">
+              <a:buNone/>
+              <a:defRPr sz="1125"/>
             </a:lvl7pPr>
-            <a:lvl8pPr marL="4000500" indent="0">
-              <a:buNone/>
-              <a:defRPr sz="1250"/>
+            <a:lvl8pPr marL="3600450" indent="0">
+              <a:buNone/>
+              <a:defRPr sz="1125"/>
             </a:lvl8pPr>
-            <a:lvl9pPr marL="4572000" indent="0">
-              <a:buNone/>
-              <a:defRPr sz="1250"/>
+            <a:lvl9pPr marL="4114800" indent="0">
+              <a:buNone/>
+              <a:defRPr sz="1125"/>
             </a:lvl9pPr>
           </a:lstStyle>
           <a:p>
@@ -2348,7 +2353,7 @@
           <a:p>
             <a:fld id="{2DD2D9B5-AAAC-AE4E-9AF2-72CBBDE83DE2}" type="datetimeFigureOut">
               <a:rPr lang="en-US" smtClean="0"/>
-              <a:t>10/9/20</a:t>
+              <a:t>10/29/20</a:t>
             </a:fld>
             <a:endParaRPr lang="en-US"/>
           </a:p>
@@ -2399,7 +2404,7 @@
     </p:spTree>
     <p:extLst>
       <p:ext uri="{BB962C8B-B14F-4D97-AF65-F5344CB8AC3E}">
-        <p14:creationId xmlns:p14="http://schemas.microsoft.com/office/powerpoint/2010/main" val="2499511522"/>
+        <p14:creationId xmlns:p14="http://schemas.microsoft.com/office/powerpoint/2010/main" val="1052033656"/>
       </p:ext>
     </p:extLst>
   </p:cSld>
@@ -2443,8 +2448,8 @@
         </p:nvSpPr>
         <p:spPr>
           <a:xfrm>
-            <a:off x="785813" y="657228"/>
-            <a:ext cx="9858375" cy="2386013"/>
+            <a:off x="707231" y="657228"/>
+            <a:ext cx="8872538" cy="2386013"/>
           </a:xfrm>
           <a:prstGeom prst="rect">
             <a:avLst/>
@@ -2476,8 +2481,8 @@
         </p:nvSpPr>
         <p:spPr>
           <a:xfrm>
-            <a:off x="785813" y="3286125"/>
-            <a:ext cx="9858375" cy="7832408"/>
+            <a:off x="707231" y="3286125"/>
+            <a:ext cx="8872538" cy="7832408"/>
           </a:xfrm>
           <a:prstGeom prst="rect">
             <a:avLst/>
@@ -2538,8 +2543,8 @@
         </p:nvSpPr>
         <p:spPr>
           <a:xfrm>
-            <a:off x="785813" y="11441433"/>
-            <a:ext cx="2571750" cy="657225"/>
+            <a:off x="707231" y="11441433"/>
+            <a:ext cx="2314575" cy="657225"/>
           </a:xfrm>
           <a:prstGeom prst="rect">
             <a:avLst/>
@@ -2549,7 +2554,7 @@
           <a:bodyPr vert="horz" lIns="91440" tIns="45720" rIns="91440" bIns="45720" rtlCol="0" anchor="ctr"/>
           <a:lstStyle>
             <a:lvl1pPr algn="l">
-              <a:defRPr sz="1500">
+              <a:defRPr sz="1350">
                 <a:solidFill>
                   <a:schemeClr val="tx1">
                     <a:tint val="75000"/>
@@ -2561,7 +2566,7 @@
           <a:p>
             <a:fld id="{2DD2D9B5-AAAC-AE4E-9AF2-72CBBDE83DE2}" type="datetimeFigureOut">
               <a:rPr lang="en-US" smtClean="0"/>
-              <a:t>10/9/20</a:t>
+              <a:t>10/29/20</a:t>
             </a:fld>
             <a:endParaRPr lang="en-US"/>
           </a:p>
@@ -2579,8 +2584,8 @@
         </p:nvSpPr>
         <p:spPr>
           <a:xfrm>
-            <a:off x="3786188" y="11441433"/>
-            <a:ext cx="3857625" cy="657225"/>
+            <a:off x="3407569" y="11441433"/>
+            <a:ext cx="3471863" cy="657225"/>
           </a:xfrm>
           <a:prstGeom prst="rect">
             <a:avLst/>
@@ -2590,7 +2595,7 @@
           <a:bodyPr vert="horz" lIns="91440" tIns="45720" rIns="91440" bIns="45720" rtlCol="0" anchor="ctr"/>
           <a:lstStyle>
             <a:lvl1pPr algn="ctr">
-              <a:defRPr sz="1500">
+              <a:defRPr sz="1350">
                 <a:solidFill>
                   <a:schemeClr val="tx1">
                     <a:tint val="75000"/>
@@ -2616,8 +2621,8 @@
         </p:nvSpPr>
         <p:spPr>
           <a:xfrm>
-            <a:off x="8072438" y="11441433"/>
-            <a:ext cx="2571750" cy="657225"/>
+            <a:off x="7265194" y="11441433"/>
+            <a:ext cx="2314575" cy="657225"/>
           </a:xfrm>
           <a:prstGeom prst="rect">
             <a:avLst/>
@@ -2627,7 +2632,7 @@
           <a:bodyPr vert="horz" lIns="91440" tIns="45720" rIns="91440" bIns="45720" rtlCol="0" anchor="ctr"/>
           <a:lstStyle>
             <a:lvl1pPr algn="r">
-              <a:defRPr sz="1500">
+              <a:defRPr sz="1350">
                 <a:solidFill>
                   <a:schemeClr val="tx1">
                     <a:tint val="75000"/>
@@ -2648,27 +2653,27 @@
     </p:spTree>
     <p:extLst>
       <p:ext uri="{BB962C8B-B14F-4D97-AF65-F5344CB8AC3E}">
-        <p14:creationId xmlns:p14="http://schemas.microsoft.com/office/powerpoint/2010/main" val="3114020953"/>
+        <p14:creationId xmlns:p14="http://schemas.microsoft.com/office/powerpoint/2010/main" val="3620878180"/>
       </p:ext>
     </p:extLst>
   </p:cSld>
   <p:clrMap bg1="lt1" tx1="dk1" bg2="lt2" tx2="dk2" accent1="accent1" accent2="accent2" accent3="accent3" accent4="accent4" accent5="accent5" accent6="accent6" hlink="hlink" folHlink="folHlink"/>
   <p:sldLayoutIdLst>
-    <p:sldLayoutId id="2147483697" r:id="rId1"/>
-    <p:sldLayoutId id="2147483698" r:id="rId2"/>
-    <p:sldLayoutId id="2147483699" r:id="rId3"/>
-    <p:sldLayoutId id="2147483700" r:id="rId4"/>
-    <p:sldLayoutId id="2147483701" r:id="rId5"/>
-    <p:sldLayoutId id="2147483702" r:id="rId6"/>
-    <p:sldLayoutId id="2147483703" r:id="rId7"/>
-    <p:sldLayoutId id="2147483704" r:id="rId8"/>
-    <p:sldLayoutId id="2147483705" r:id="rId9"/>
-    <p:sldLayoutId id="2147483706" r:id="rId10"/>
-    <p:sldLayoutId id="2147483707" r:id="rId11"/>
+    <p:sldLayoutId id="2147483757" r:id="rId1"/>
+    <p:sldLayoutId id="2147483758" r:id="rId2"/>
+    <p:sldLayoutId id="2147483759" r:id="rId3"/>
+    <p:sldLayoutId id="2147483760" r:id="rId4"/>
+    <p:sldLayoutId id="2147483761" r:id="rId5"/>
+    <p:sldLayoutId id="2147483762" r:id="rId6"/>
+    <p:sldLayoutId id="2147483763" r:id="rId7"/>
+    <p:sldLayoutId id="2147483764" r:id="rId8"/>
+    <p:sldLayoutId id="2147483765" r:id="rId9"/>
+    <p:sldLayoutId id="2147483766" r:id="rId10"/>
+    <p:sldLayoutId id="2147483767" r:id="rId11"/>
   </p:sldLayoutIdLst>
   <p:txStyles>
     <p:titleStyle>
-      <a:lvl1pPr algn="l" defTabSz="1143000" rtl="0" eaLnBrk="1" latinLnBrk="0" hangingPunct="1">
+      <a:lvl1pPr algn="l" defTabSz="1028700" rtl="0" eaLnBrk="1" latinLnBrk="0" hangingPunct="1">
         <a:lnSpc>
           <a:spcPct val="90000"/>
         </a:lnSpc>
@@ -2676,7 +2681,7 @@
           <a:spcPct val="0"/>
         </a:spcBef>
         <a:buNone/>
-        <a:defRPr sz="5500" kern="1200">
+        <a:defRPr sz="4950" kern="1200">
           <a:solidFill>
             <a:schemeClr val="tx1"/>
           </a:solidFill>
@@ -2687,16 +2692,16 @@
       </a:lvl1pPr>
     </p:titleStyle>
     <p:bodyStyle>
-      <a:lvl1pPr marL="285750" indent="-285750" algn="l" defTabSz="1143000" rtl="0" eaLnBrk="1" latinLnBrk="0" hangingPunct="1">
+      <a:lvl1pPr marL="257175" indent="-257175" algn="l" defTabSz="1028700" rtl="0" eaLnBrk="1" latinLnBrk="0" hangingPunct="1">
         <a:lnSpc>
           <a:spcPct val="90000"/>
         </a:lnSpc>
         <a:spcBef>
-          <a:spcPts val="1250"/>
+          <a:spcPts val="1125"/>
         </a:spcBef>
         <a:buFont typeface="Arial" panose="020B0604020202020204" pitchFamily="34" charset="0"/>
         <a:buChar char="•"/>
-        <a:defRPr sz="3500" kern="1200">
+        <a:defRPr sz="3150" kern="1200">
           <a:solidFill>
             <a:schemeClr val="tx1"/>
           </a:solidFill>
@@ -2705,16 +2710,16 @@
           <a:cs typeface="+mn-cs"/>
         </a:defRPr>
       </a:lvl1pPr>
-      <a:lvl2pPr marL="857250" indent="-285750" algn="l" defTabSz="1143000" rtl="0" eaLnBrk="1" latinLnBrk="0" hangingPunct="1">
+      <a:lvl2pPr marL="771525" indent="-257175" algn="l" defTabSz="1028700" rtl="0" eaLnBrk="1" latinLnBrk="0" hangingPunct="1">
         <a:lnSpc>
           <a:spcPct val="90000"/>
         </a:lnSpc>
         <a:spcBef>
-          <a:spcPts val="625"/>
+          <a:spcPts val="563"/>
         </a:spcBef>
         <a:buFont typeface="Arial" panose="020B0604020202020204" pitchFamily="34" charset="0"/>
         <a:buChar char="•"/>
-        <a:defRPr sz="3000" kern="1200">
+        <a:defRPr sz="2700" kern="1200">
           <a:solidFill>
             <a:schemeClr val="tx1"/>
           </a:solidFill>
@@ -2723,30 +2728,12 @@
           <a:cs typeface="+mn-cs"/>
         </a:defRPr>
       </a:lvl2pPr>
-      <a:lvl3pPr marL="1428750" indent="-285750" algn="l" defTabSz="1143000" rtl="0" eaLnBrk="1" latinLnBrk="0" hangingPunct="1">
+      <a:lvl3pPr marL="1285875" indent="-257175" algn="l" defTabSz="1028700" rtl="0" eaLnBrk="1" latinLnBrk="0" hangingPunct="1">
         <a:lnSpc>
           <a:spcPct val="90000"/>
         </a:lnSpc>
         <a:spcBef>
-          <a:spcPts val="625"/>
-        </a:spcBef>
-        <a:buFont typeface="Arial" panose="020B0604020202020204" pitchFamily="34" charset="0"/>
-        <a:buChar char="•"/>
-        <a:defRPr sz="2500" kern="1200">
-          <a:solidFill>
-            <a:schemeClr val="tx1"/>
-          </a:solidFill>
-          <a:latin typeface="+mn-lt"/>
-          <a:ea typeface="+mn-ea"/>
-          <a:cs typeface="+mn-cs"/>
-        </a:defRPr>
-      </a:lvl3pPr>
-      <a:lvl4pPr marL="2000250" indent="-285750" algn="l" defTabSz="1143000" rtl="0" eaLnBrk="1" latinLnBrk="0" hangingPunct="1">
-        <a:lnSpc>
-          <a:spcPct val="90000"/>
-        </a:lnSpc>
-        <a:spcBef>
-          <a:spcPts val="625"/>
+          <a:spcPts val="563"/>
         </a:spcBef>
         <a:buFont typeface="Arial" panose="020B0604020202020204" pitchFamily="34" charset="0"/>
         <a:buChar char="•"/>
@@ -2758,17 +2745,35 @@
           <a:ea typeface="+mn-ea"/>
           <a:cs typeface="+mn-cs"/>
         </a:defRPr>
-      </a:lvl4pPr>
-      <a:lvl5pPr marL="2571750" indent="-285750" algn="l" defTabSz="1143000" rtl="0" eaLnBrk="1" latinLnBrk="0" hangingPunct="1">
+      </a:lvl3pPr>
+      <a:lvl4pPr marL="1800225" indent="-257175" algn="l" defTabSz="1028700" rtl="0" eaLnBrk="1" latinLnBrk="0" hangingPunct="1">
         <a:lnSpc>
           <a:spcPct val="90000"/>
         </a:lnSpc>
         <a:spcBef>
-          <a:spcPts val="625"/>
+          <a:spcPts val="563"/>
         </a:spcBef>
         <a:buFont typeface="Arial" panose="020B0604020202020204" pitchFamily="34" charset="0"/>
         <a:buChar char="•"/>
-        <a:defRPr sz="2250" kern="1200">
+        <a:defRPr sz="2025" kern="1200">
+          <a:solidFill>
+            <a:schemeClr val="tx1"/>
+          </a:solidFill>
+          <a:latin typeface="+mn-lt"/>
+          <a:ea typeface="+mn-ea"/>
+          <a:cs typeface="+mn-cs"/>
+        </a:defRPr>
+      </a:lvl4pPr>
+      <a:lvl5pPr marL="2314575" indent="-257175" algn="l" defTabSz="1028700" rtl="0" eaLnBrk="1" latinLnBrk="0" hangingPunct="1">
+        <a:lnSpc>
+          <a:spcPct val="90000"/>
+        </a:lnSpc>
+        <a:spcBef>
+          <a:spcPts val="563"/>
+        </a:spcBef>
+        <a:buFont typeface="Arial" panose="020B0604020202020204" pitchFamily="34" charset="0"/>
+        <a:buChar char="•"/>
+        <a:defRPr sz="2025" kern="1200">
           <a:solidFill>
             <a:schemeClr val="tx1"/>
           </a:solidFill>
@@ -2777,16 +2782,16 @@
           <a:cs typeface="+mn-cs"/>
         </a:defRPr>
       </a:lvl5pPr>
-      <a:lvl6pPr marL="3143250" indent="-285750" algn="l" defTabSz="1143000" rtl="0" eaLnBrk="1" latinLnBrk="0" hangingPunct="1">
+      <a:lvl6pPr marL="2828925" indent="-257175" algn="l" defTabSz="1028700" rtl="0" eaLnBrk="1" latinLnBrk="0" hangingPunct="1">
         <a:lnSpc>
           <a:spcPct val="90000"/>
         </a:lnSpc>
         <a:spcBef>
-          <a:spcPts val="625"/>
+          <a:spcPts val="563"/>
         </a:spcBef>
         <a:buFont typeface="Arial" panose="020B0604020202020204" pitchFamily="34" charset="0"/>
         <a:buChar char="•"/>
-        <a:defRPr sz="2250" kern="1200">
+        <a:defRPr sz="2025" kern="1200">
           <a:solidFill>
             <a:schemeClr val="tx1"/>
           </a:solidFill>
@@ -2795,16 +2800,16 @@
           <a:cs typeface="+mn-cs"/>
         </a:defRPr>
       </a:lvl6pPr>
-      <a:lvl7pPr marL="3714750" indent="-285750" algn="l" defTabSz="1143000" rtl="0" eaLnBrk="1" latinLnBrk="0" hangingPunct="1">
+      <a:lvl7pPr marL="3343275" indent="-257175" algn="l" defTabSz="1028700" rtl="0" eaLnBrk="1" latinLnBrk="0" hangingPunct="1">
         <a:lnSpc>
           <a:spcPct val="90000"/>
         </a:lnSpc>
         <a:spcBef>
-          <a:spcPts val="625"/>
+          <a:spcPts val="563"/>
         </a:spcBef>
         <a:buFont typeface="Arial" panose="020B0604020202020204" pitchFamily="34" charset="0"/>
         <a:buChar char="•"/>
-        <a:defRPr sz="2250" kern="1200">
+        <a:defRPr sz="2025" kern="1200">
           <a:solidFill>
             <a:schemeClr val="tx1"/>
           </a:solidFill>
@@ -2813,16 +2818,16 @@
           <a:cs typeface="+mn-cs"/>
         </a:defRPr>
       </a:lvl7pPr>
-      <a:lvl8pPr marL="4286250" indent="-285750" algn="l" defTabSz="1143000" rtl="0" eaLnBrk="1" latinLnBrk="0" hangingPunct="1">
+      <a:lvl8pPr marL="3857625" indent="-257175" algn="l" defTabSz="1028700" rtl="0" eaLnBrk="1" latinLnBrk="0" hangingPunct="1">
         <a:lnSpc>
           <a:spcPct val="90000"/>
         </a:lnSpc>
         <a:spcBef>
-          <a:spcPts val="625"/>
+          <a:spcPts val="563"/>
         </a:spcBef>
         <a:buFont typeface="Arial" panose="020B0604020202020204" pitchFamily="34" charset="0"/>
         <a:buChar char="•"/>
-        <a:defRPr sz="2250" kern="1200">
+        <a:defRPr sz="2025" kern="1200">
           <a:solidFill>
             <a:schemeClr val="tx1"/>
           </a:solidFill>
@@ -2831,16 +2836,16 @@
           <a:cs typeface="+mn-cs"/>
         </a:defRPr>
       </a:lvl8pPr>
-      <a:lvl9pPr marL="4857750" indent="-285750" algn="l" defTabSz="1143000" rtl="0" eaLnBrk="1" latinLnBrk="0" hangingPunct="1">
+      <a:lvl9pPr marL="4371975" indent="-257175" algn="l" defTabSz="1028700" rtl="0" eaLnBrk="1" latinLnBrk="0" hangingPunct="1">
         <a:lnSpc>
           <a:spcPct val="90000"/>
         </a:lnSpc>
         <a:spcBef>
-          <a:spcPts val="625"/>
+          <a:spcPts val="563"/>
         </a:spcBef>
         <a:buFont typeface="Arial" panose="020B0604020202020204" pitchFamily="34" charset="0"/>
         <a:buChar char="•"/>
-        <a:defRPr sz="2250" kern="1200">
+        <a:defRPr sz="2025" kern="1200">
           <a:solidFill>
             <a:schemeClr val="tx1"/>
           </a:solidFill>
@@ -2854,8 +2859,8 @@
       <a:defPPr>
         <a:defRPr lang="en-US"/>
       </a:defPPr>
-      <a:lvl1pPr marL="0" algn="l" defTabSz="1143000" rtl="0" eaLnBrk="1" latinLnBrk="0" hangingPunct="1">
-        <a:defRPr sz="2250" kern="1200">
+      <a:lvl1pPr marL="0" algn="l" defTabSz="1028700" rtl="0" eaLnBrk="1" latinLnBrk="0" hangingPunct="1">
+        <a:defRPr sz="2025" kern="1200">
           <a:solidFill>
             <a:schemeClr val="tx1"/>
           </a:solidFill>
@@ -2864,8 +2869,8 @@
           <a:cs typeface="+mn-cs"/>
         </a:defRPr>
       </a:lvl1pPr>
-      <a:lvl2pPr marL="571500" algn="l" defTabSz="1143000" rtl="0" eaLnBrk="1" latinLnBrk="0" hangingPunct="1">
-        <a:defRPr sz="2250" kern="1200">
+      <a:lvl2pPr marL="514350" algn="l" defTabSz="1028700" rtl="0" eaLnBrk="1" latinLnBrk="0" hangingPunct="1">
+        <a:defRPr sz="2025" kern="1200">
           <a:solidFill>
             <a:schemeClr val="tx1"/>
           </a:solidFill>
@@ -2874,8 +2879,8 @@
           <a:cs typeface="+mn-cs"/>
         </a:defRPr>
       </a:lvl2pPr>
-      <a:lvl3pPr marL="1143000" algn="l" defTabSz="1143000" rtl="0" eaLnBrk="1" latinLnBrk="0" hangingPunct="1">
-        <a:defRPr sz="2250" kern="1200">
+      <a:lvl3pPr marL="1028700" algn="l" defTabSz="1028700" rtl="0" eaLnBrk="1" latinLnBrk="0" hangingPunct="1">
+        <a:defRPr sz="2025" kern="1200">
           <a:solidFill>
             <a:schemeClr val="tx1"/>
           </a:solidFill>
@@ -2884,8 +2889,8 @@
           <a:cs typeface="+mn-cs"/>
         </a:defRPr>
       </a:lvl3pPr>
-      <a:lvl4pPr marL="1714500" algn="l" defTabSz="1143000" rtl="0" eaLnBrk="1" latinLnBrk="0" hangingPunct="1">
-        <a:defRPr sz="2250" kern="1200">
+      <a:lvl4pPr marL="1543050" algn="l" defTabSz="1028700" rtl="0" eaLnBrk="1" latinLnBrk="0" hangingPunct="1">
+        <a:defRPr sz="2025" kern="1200">
           <a:solidFill>
             <a:schemeClr val="tx1"/>
           </a:solidFill>
@@ -2894,8 +2899,8 @@
           <a:cs typeface="+mn-cs"/>
         </a:defRPr>
       </a:lvl4pPr>
-      <a:lvl5pPr marL="2286000" algn="l" defTabSz="1143000" rtl="0" eaLnBrk="1" latinLnBrk="0" hangingPunct="1">
-        <a:defRPr sz="2250" kern="1200">
+      <a:lvl5pPr marL="2057400" algn="l" defTabSz="1028700" rtl="0" eaLnBrk="1" latinLnBrk="0" hangingPunct="1">
+        <a:defRPr sz="2025" kern="1200">
           <a:solidFill>
             <a:schemeClr val="tx1"/>
           </a:solidFill>
@@ -2904,8 +2909,8 @@
           <a:cs typeface="+mn-cs"/>
         </a:defRPr>
       </a:lvl5pPr>
-      <a:lvl6pPr marL="2857500" algn="l" defTabSz="1143000" rtl="0" eaLnBrk="1" latinLnBrk="0" hangingPunct="1">
-        <a:defRPr sz="2250" kern="1200">
+      <a:lvl6pPr marL="2571750" algn="l" defTabSz="1028700" rtl="0" eaLnBrk="1" latinLnBrk="0" hangingPunct="1">
+        <a:defRPr sz="2025" kern="1200">
           <a:solidFill>
             <a:schemeClr val="tx1"/>
           </a:solidFill>
@@ -2914,8 +2919,8 @@
           <a:cs typeface="+mn-cs"/>
         </a:defRPr>
       </a:lvl6pPr>
-      <a:lvl7pPr marL="3429000" algn="l" defTabSz="1143000" rtl="0" eaLnBrk="1" latinLnBrk="0" hangingPunct="1">
-        <a:defRPr sz="2250" kern="1200">
+      <a:lvl7pPr marL="3086100" algn="l" defTabSz="1028700" rtl="0" eaLnBrk="1" latinLnBrk="0" hangingPunct="1">
+        <a:defRPr sz="2025" kern="1200">
           <a:solidFill>
             <a:schemeClr val="tx1"/>
           </a:solidFill>
@@ -2924,8 +2929,8 @@
           <a:cs typeface="+mn-cs"/>
         </a:defRPr>
       </a:lvl7pPr>
-      <a:lvl8pPr marL="4000500" algn="l" defTabSz="1143000" rtl="0" eaLnBrk="1" latinLnBrk="0" hangingPunct="1">
-        <a:defRPr sz="2250" kern="1200">
+      <a:lvl8pPr marL="3600450" algn="l" defTabSz="1028700" rtl="0" eaLnBrk="1" latinLnBrk="0" hangingPunct="1">
+        <a:defRPr sz="2025" kern="1200">
           <a:solidFill>
             <a:schemeClr val="tx1"/>
           </a:solidFill>
@@ -2934,8 +2939,8 @@
           <a:cs typeface="+mn-cs"/>
         </a:defRPr>
       </a:lvl8pPr>
-      <a:lvl9pPr marL="4572000" algn="l" defTabSz="1143000" rtl="0" eaLnBrk="1" latinLnBrk="0" hangingPunct="1">
-        <a:defRPr sz="2250" kern="1200">
+      <a:lvl9pPr marL="4114800" algn="l" defTabSz="1028700" rtl="0" eaLnBrk="1" latinLnBrk="0" hangingPunct="1">
+        <a:defRPr sz="2025" kern="1200">
           <a:solidFill>
             <a:schemeClr val="tx1"/>
           </a:solidFill>
@@ -2968,10 +2973,10 @@
       </p:grpSpPr>
       <p:pic>
         <p:nvPicPr>
-          <p:cNvPr id="5" name="Picture 4">
+          <p:cNvPr id="14" name="Picture 13">
             <a:extLst>
               <a:ext uri="{FF2B5EF4-FFF2-40B4-BE49-F238E27FC236}">
-                <a16:creationId xmlns:a16="http://schemas.microsoft.com/office/drawing/2014/main" id="{A73DB964-B927-3F48-B2E7-F422DC621FED}"/>
+                <a16:creationId xmlns:a16="http://schemas.microsoft.com/office/drawing/2014/main" id="{2F33C394-16E9-D840-87C0-32F971F313DC}"/>
               </a:ext>
             </a:extLst>
           </p:cNvPr>
@@ -2982,13 +2987,13 @@
         </p:nvPicPr>
         <p:blipFill rotWithShape="1">
           <a:blip r:embed="rId2"/>
-          <a:srcRect r="54552"/>
+          <a:srcRect r="55282"/>
           <a:stretch/>
         </p:blipFill>
         <p:spPr>
           <a:xfrm>
-            <a:off x="170853" y="213360"/>
-            <a:ext cx="5540991" cy="2921311"/>
+            <a:off x="5399207" y="108036"/>
+            <a:ext cx="4739459" cy="2535376"/>
           </a:xfrm>
           <a:prstGeom prst="rect">
             <a:avLst/>
@@ -2997,10 +3002,10 @@
       </p:pic>
       <p:pic>
         <p:nvPicPr>
-          <p:cNvPr id="7" name="Picture 6">
+          <p:cNvPr id="17" name="Picture 16">
             <a:extLst>
               <a:ext uri="{FF2B5EF4-FFF2-40B4-BE49-F238E27FC236}">
-                <a16:creationId xmlns:a16="http://schemas.microsoft.com/office/drawing/2014/main" id="{223C9416-42B0-4D48-9D30-6BE6D66F1340}"/>
+                <a16:creationId xmlns:a16="http://schemas.microsoft.com/office/drawing/2014/main" id="{2EFF3697-B52A-CD4A-8AC9-1DBAB9FAD82C}"/>
               </a:ext>
             </a:extLst>
           </p:cNvPr>
@@ -3011,13 +3016,13 @@
         </p:nvPicPr>
         <p:blipFill rotWithShape="1">
           <a:blip r:embed="rId3"/>
-          <a:srcRect r="54552"/>
+          <a:srcRect r="54635"/>
           <a:stretch/>
         </p:blipFill>
         <p:spPr>
           <a:xfrm>
-            <a:off x="170852" y="3134671"/>
-            <a:ext cx="5540991" cy="2916557"/>
+            <a:off x="5327846" y="2794323"/>
+            <a:ext cx="4808052" cy="2539509"/>
           </a:xfrm>
           <a:prstGeom prst="rect">
             <a:avLst/>
@@ -3026,10 +3031,10 @@
       </p:pic>
       <p:pic>
         <p:nvPicPr>
-          <p:cNvPr id="9" name="Picture 8">
+          <p:cNvPr id="10" name="Picture 9">
             <a:extLst>
               <a:ext uri="{FF2B5EF4-FFF2-40B4-BE49-F238E27FC236}">
-                <a16:creationId xmlns:a16="http://schemas.microsoft.com/office/drawing/2014/main" id="{81B99623-5E0A-C442-8BD3-1A2740D15B71}"/>
+                <a16:creationId xmlns:a16="http://schemas.microsoft.com/office/drawing/2014/main" id="{33C599B1-001E-2E48-9889-0C7158A9027B}"/>
               </a:ext>
             </a:extLst>
           </p:cNvPr>
@@ -3040,13 +3045,13 @@
         </p:nvPicPr>
         <p:blipFill rotWithShape="1">
           <a:blip r:embed="rId4"/>
-          <a:srcRect r="54552"/>
+          <a:srcRect l="44072" r="15948"/>
           <a:stretch/>
         </p:blipFill>
         <p:spPr>
           <a:xfrm>
-            <a:off x="5797569" y="213360"/>
-            <a:ext cx="5540991" cy="2957465"/>
+            <a:off x="5431942" y="6641368"/>
+            <a:ext cx="4569768" cy="2745441"/>
           </a:xfrm>
           <a:prstGeom prst="rect">
             <a:avLst/>
@@ -3055,10 +3060,10 @@
       </p:pic>
       <p:pic>
         <p:nvPicPr>
-          <p:cNvPr id="15" name="Picture 14">
+          <p:cNvPr id="12" name="Picture 11">
             <a:extLst>
               <a:ext uri="{FF2B5EF4-FFF2-40B4-BE49-F238E27FC236}">
-                <a16:creationId xmlns:a16="http://schemas.microsoft.com/office/drawing/2014/main" id="{90382AF2-47A8-4F44-B61A-6BCEBD78075B}"/>
+                <a16:creationId xmlns:a16="http://schemas.microsoft.com/office/drawing/2014/main" id="{70A11CF7-568B-AF44-AE9C-BB0BD9F62ED5}"/>
               </a:ext>
             </a:extLst>
           </p:cNvPr>
@@ -3069,13 +3074,13 @@
         </p:nvPicPr>
         <p:blipFill rotWithShape="1">
           <a:blip r:embed="rId5"/>
-          <a:srcRect r="54552"/>
+          <a:srcRect r="57328"/>
           <a:stretch/>
         </p:blipFill>
         <p:spPr>
           <a:xfrm>
-            <a:off x="5797568" y="3170825"/>
-            <a:ext cx="5540991" cy="2928471"/>
+            <a:off x="57625" y="9388875"/>
+            <a:ext cx="4877355" cy="2738729"/>
           </a:xfrm>
           <a:prstGeom prst="rect">
             <a:avLst/>
@@ -3084,10 +3089,10 @@
       </p:pic>
       <p:pic>
         <p:nvPicPr>
-          <p:cNvPr id="19" name="Picture 18">
+          <p:cNvPr id="3" name="Picture 2">
             <a:extLst>
               <a:ext uri="{FF2B5EF4-FFF2-40B4-BE49-F238E27FC236}">
-                <a16:creationId xmlns:a16="http://schemas.microsoft.com/office/drawing/2014/main" id="{EA01A8CC-5395-9A49-84E7-9CD09FB725C3}"/>
+                <a16:creationId xmlns:a16="http://schemas.microsoft.com/office/drawing/2014/main" id="{DD6C712C-0457-524D-B55E-CEEA98D3DC55}"/>
               </a:ext>
             </a:extLst>
           </p:cNvPr>
@@ -3098,13 +3103,13 @@
         </p:nvPicPr>
         <p:blipFill rotWithShape="1">
           <a:blip r:embed="rId6"/>
-          <a:srcRect r="54552"/>
+          <a:srcRect r="53155"/>
           <a:stretch/>
         </p:blipFill>
         <p:spPr>
           <a:xfrm>
-            <a:off x="170851" y="9367615"/>
-            <a:ext cx="5540990" cy="2957465"/>
+            <a:off x="97382" y="110102"/>
+            <a:ext cx="4964837" cy="2535376"/>
           </a:xfrm>
           <a:prstGeom prst="rect">
             <a:avLst/>
@@ -3113,10 +3118,10 @@
       </p:pic>
       <p:pic>
         <p:nvPicPr>
-          <p:cNvPr id="23" name="Picture 22">
+          <p:cNvPr id="6" name="Picture 5">
             <a:extLst>
               <a:ext uri="{FF2B5EF4-FFF2-40B4-BE49-F238E27FC236}">
-                <a16:creationId xmlns:a16="http://schemas.microsoft.com/office/drawing/2014/main" id="{8F479291-9571-7345-A80A-BD98C9A6369A}"/>
+                <a16:creationId xmlns:a16="http://schemas.microsoft.com/office/drawing/2014/main" id="{77F97C6C-8404-5048-A8AB-FE33718CC915}"/>
               </a:ext>
             </a:extLst>
           </p:cNvPr>
@@ -3127,98 +3132,19 @@
         </p:nvPicPr>
         <p:blipFill rotWithShape="1">
           <a:blip r:embed="rId7"/>
-          <a:srcRect r="55996"/>
+          <a:srcRect r="54356"/>
           <a:stretch/>
         </p:blipFill>
         <p:spPr>
           <a:xfrm>
-            <a:off x="170847" y="6398236"/>
-            <a:ext cx="5364978" cy="2921311"/>
+            <a:off x="97378" y="2816247"/>
+            <a:ext cx="4837602" cy="2535376"/>
           </a:xfrm>
           <a:prstGeom prst="rect">
             <a:avLst/>
           </a:prstGeom>
         </p:spPr>
       </p:pic>
-      <p:grpSp>
-        <p:nvGrpSpPr>
-          <p:cNvPr id="26" name="Group 25">
-            <a:extLst>
-              <a:ext uri="{FF2B5EF4-FFF2-40B4-BE49-F238E27FC236}">
-                <a16:creationId xmlns:a16="http://schemas.microsoft.com/office/drawing/2014/main" id="{D0B3C153-8077-7440-B3D7-E3C272DF1517}"/>
-              </a:ext>
-            </a:extLst>
-          </p:cNvPr>
-          <p:cNvGrpSpPr/>
-          <p:nvPr/>
-        </p:nvGrpSpPr>
-        <p:grpSpPr>
-          <a:xfrm>
-            <a:off x="5839589" y="6434390"/>
-            <a:ext cx="5286260" cy="2921311"/>
-            <a:chOff x="5891763" y="6229262"/>
-            <a:chExt cx="5286260" cy="2921311"/>
-          </a:xfrm>
-        </p:grpSpPr>
-        <p:pic>
-          <p:nvPicPr>
-            <p:cNvPr id="24" name="Picture 23">
-              <a:extLst>
-                <a:ext uri="{FF2B5EF4-FFF2-40B4-BE49-F238E27FC236}">
-                  <a16:creationId xmlns:a16="http://schemas.microsoft.com/office/drawing/2014/main" id="{CDF68AED-DD37-7145-80E8-2EB5AB470A15}"/>
-                </a:ext>
-              </a:extLst>
-            </p:cNvPr>
-            <p:cNvPicPr>
-              <a:picLocks noChangeAspect="1"/>
-            </p:cNvPicPr>
-            <p:nvPr/>
-          </p:nvPicPr>
-          <p:blipFill rotWithShape="1">
-            <a:blip r:embed="rId7"/>
-            <a:srcRect l="43379" r="15913"/>
-            <a:stretch/>
-          </p:blipFill>
-          <p:spPr>
-            <a:xfrm>
-              <a:off x="6214842" y="6229262"/>
-              <a:ext cx="4963181" cy="2921311"/>
-            </a:xfrm>
-            <a:prstGeom prst="rect">
-              <a:avLst/>
-            </a:prstGeom>
-          </p:spPr>
-        </p:pic>
-        <p:pic>
-          <p:nvPicPr>
-            <p:cNvPr id="25" name="Picture 24">
-              <a:extLst>
-                <a:ext uri="{FF2B5EF4-FFF2-40B4-BE49-F238E27FC236}">
-                  <a16:creationId xmlns:a16="http://schemas.microsoft.com/office/drawing/2014/main" id="{BE76D308-78C4-8A47-B62A-FC7EED03FB2A}"/>
-                </a:ext>
-              </a:extLst>
-            </p:cNvPr>
-            <p:cNvPicPr>
-              <a:picLocks noChangeAspect="1"/>
-            </p:cNvPicPr>
-            <p:nvPr/>
-          </p:nvPicPr>
-          <p:blipFill rotWithShape="1">
-            <a:blip r:embed="rId7"/>
-            <a:srcRect r="97350"/>
-            <a:stretch/>
-          </p:blipFill>
-          <p:spPr>
-            <a:xfrm>
-              <a:off x="5891763" y="6229262"/>
-              <a:ext cx="323079" cy="2921311"/>
-            </a:xfrm>
-            <a:prstGeom prst="rect">
-              <a:avLst/>
-            </a:prstGeom>
-          </p:spPr>
-        </p:pic>
-      </p:grpSp>
       <p:sp>
         <p:nvSpPr>
           <p:cNvPr id="27" name="Rectangle 26">
@@ -3233,7 +3159,7 @@
         </p:nvSpPr>
         <p:spPr>
           <a:xfrm>
-            <a:off x="16719" y="30480"/>
+            <a:off x="81327" y="70236"/>
             <a:ext cx="492443" cy="646331"/>
           </a:xfrm>
           <a:prstGeom prst="rect">
@@ -3270,7 +3196,7 @@
         </p:nvSpPr>
         <p:spPr>
           <a:xfrm>
-            <a:off x="5760776" y="30480"/>
+            <a:off x="5149527" y="70236"/>
             <a:ext cx="492443" cy="646331"/>
           </a:xfrm>
           <a:prstGeom prst="rect">
@@ -3307,7 +3233,7 @@
         </p:nvSpPr>
         <p:spPr>
           <a:xfrm>
-            <a:off x="16719" y="6023785"/>
+            <a:off x="41571" y="6197742"/>
             <a:ext cx="518091" cy="646331"/>
           </a:xfrm>
           <a:prstGeom prst="rect">
@@ -3344,7 +3270,7 @@
         </p:nvGrpSpPr>
         <p:grpSpPr>
           <a:xfrm>
-            <a:off x="6849353" y="10323127"/>
+            <a:off x="3478255" y="5495822"/>
             <a:ext cx="3437419" cy="1046440"/>
             <a:chOff x="3743310" y="5318825"/>
             <a:chExt cx="3437419" cy="1046440"/>
@@ -3730,6 +3656,64 @@
           </p:style>
         </p:cxnSp>
       </p:grpSp>
+      <p:pic>
+        <p:nvPicPr>
+          <p:cNvPr id="38" name="Picture 37">
+            <a:extLst>
+              <a:ext uri="{FF2B5EF4-FFF2-40B4-BE49-F238E27FC236}">
+                <a16:creationId xmlns:a16="http://schemas.microsoft.com/office/drawing/2014/main" id="{B8CC6409-29DB-D142-9A90-72F4DA708493}"/>
+              </a:ext>
+            </a:extLst>
+          </p:cNvPr>
+          <p:cNvPicPr>
+            <a:picLocks noChangeAspect="1"/>
+          </p:cNvPicPr>
+          <p:nvPr/>
+        </p:nvPicPr>
+        <p:blipFill rotWithShape="1">
+          <a:blip r:embed="rId4"/>
+          <a:srcRect r="55802"/>
+          <a:stretch/>
+        </p:blipFill>
+        <p:spPr>
+          <a:xfrm>
+            <a:off x="97378" y="6680664"/>
+            <a:ext cx="5051789" cy="2745441"/>
+          </a:xfrm>
+          <a:prstGeom prst="rect">
+            <a:avLst/>
+          </a:prstGeom>
+        </p:spPr>
+      </p:pic>
+      <p:pic>
+        <p:nvPicPr>
+          <p:cNvPr id="39" name="Picture 38">
+            <a:extLst>
+              <a:ext uri="{FF2B5EF4-FFF2-40B4-BE49-F238E27FC236}">
+                <a16:creationId xmlns:a16="http://schemas.microsoft.com/office/drawing/2014/main" id="{5EA1C3A0-935C-CB43-BA16-803912B7C895}"/>
+              </a:ext>
+            </a:extLst>
+          </p:cNvPr>
+          <p:cNvPicPr>
+            <a:picLocks noChangeAspect="1"/>
+          </p:cNvPicPr>
+          <p:nvPr/>
+        </p:nvPicPr>
+        <p:blipFill rotWithShape="1">
+          <a:blip r:embed="rId5"/>
+          <a:srcRect l="42452" r="16000"/>
+          <a:stretch/>
+        </p:blipFill>
+        <p:spPr>
+          <a:xfrm>
+            <a:off x="5323913" y="9388875"/>
+            <a:ext cx="4748951" cy="2738729"/>
+          </a:xfrm>
+          <a:prstGeom prst="rect">
+            <a:avLst/>
+          </a:prstGeom>
+        </p:spPr>
+      </p:pic>
     </p:spTree>
     <p:extLst>
       <p:ext uri="{BB962C8B-B14F-4D97-AF65-F5344CB8AC3E}">
